--- a/PUPPYHOUSE 애플리케이션 배포.pptx
+++ b/PUPPYHOUSE 애플리케이션 배포.pptx
@@ -209,7 +209,7 @@
           <a:p>
             <a:fld id="{581FA150-F7C8-4462-BF3E-DB83E0EBA7BD}" type="datetimeFigureOut">
               <a:rPr lang="ko-KR" altLang="en-US" smtClean="0"/>
-              <a:t>2023-01-06</a:t>
+              <a:t>2023-03-14</a:t>
             </a:fld>
             <a:endParaRPr lang="ko-KR" altLang="en-US"/>
           </a:p>
@@ -707,7 +707,7 @@
           <a:p>
             <a:fld id="{CE2EF64E-1B8A-4574-B5C3-5DD3BFB8FDE5}" type="datetimeFigureOut">
               <a:rPr lang="ko-KR" altLang="en-US" smtClean="0"/>
-              <a:t>2023-01-06</a:t>
+              <a:t>2023-03-14</a:t>
             </a:fld>
             <a:endParaRPr lang="ko-KR" altLang="en-US"/>
           </a:p>
@@ -905,7 +905,7 @@
           <a:p>
             <a:fld id="{CE2EF64E-1B8A-4574-B5C3-5DD3BFB8FDE5}" type="datetimeFigureOut">
               <a:rPr lang="ko-KR" altLang="en-US" smtClean="0"/>
-              <a:t>2023-01-06</a:t>
+              <a:t>2023-03-14</a:t>
             </a:fld>
             <a:endParaRPr lang="ko-KR" altLang="en-US"/>
           </a:p>
@@ -1113,7 +1113,7 @@
           <a:p>
             <a:fld id="{CE2EF64E-1B8A-4574-B5C3-5DD3BFB8FDE5}" type="datetimeFigureOut">
               <a:rPr lang="ko-KR" altLang="en-US" smtClean="0"/>
-              <a:t>2023-01-06</a:t>
+              <a:t>2023-03-14</a:t>
             </a:fld>
             <a:endParaRPr lang="ko-KR" altLang="en-US"/>
           </a:p>
@@ -1311,7 +1311,7 @@
           <a:p>
             <a:fld id="{CE2EF64E-1B8A-4574-B5C3-5DD3BFB8FDE5}" type="datetimeFigureOut">
               <a:rPr lang="ko-KR" altLang="en-US" smtClean="0"/>
-              <a:t>2023-01-06</a:t>
+              <a:t>2023-03-14</a:t>
             </a:fld>
             <a:endParaRPr lang="ko-KR" altLang="en-US"/>
           </a:p>
@@ -1586,7 +1586,7 @@
           <a:p>
             <a:fld id="{CE2EF64E-1B8A-4574-B5C3-5DD3BFB8FDE5}" type="datetimeFigureOut">
               <a:rPr lang="ko-KR" altLang="en-US" smtClean="0"/>
-              <a:t>2023-01-06</a:t>
+              <a:t>2023-03-14</a:t>
             </a:fld>
             <a:endParaRPr lang="ko-KR" altLang="en-US"/>
           </a:p>
@@ -1851,7 +1851,7 @@
           <a:p>
             <a:fld id="{CE2EF64E-1B8A-4574-B5C3-5DD3BFB8FDE5}" type="datetimeFigureOut">
               <a:rPr lang="ko-KR" altLang="en-US" smtClean="0"/>
-              <a:t>2023-01-06</a:t>
+              <a:t>2023-03-14</a:t>
             </a:fld>
             <a:endParaRPr lang="ko-KR" altLang="en-US"/>
           </a:p>
@@ -2263,7 +2263,7 @@
           <a:p>
             <a:fld id="{CE2EF64E-1B8A-4574-B5C3-5DD3BFB8FDE5}" type="datetimeFigureOut">
               <a:rPr lang="ko-KR" altLang="en-US" smtClean="0"/>
-              <a:t>2023-01-06</a:t>
+              <a:t>2023-03-14</a:t>
             </a:fld>
             <a:endParaRPr lang="ko-KR" altLang="en-US"/>
           </a:p>
@@ -2404,7 +2404,7 @@
           <a:p>
             <a:fld id="{CE2EF64E-1B8A-4574-B5C3-5DD3BFB8FDE5}" type="datetimeFigureOut">
               <a:rPr lang="ko-KR" altLang="en-US" smtClean="0"/>
-              <a:t>2023-01-06</a:t>
+              <a:t>2023-03-14</a:t>
             </a:fld>
             <a:endParaRPr lang="ko-KR" altLang="en-US"/>
           </a:p>
@@ -2517,7 +2517,7 @@
           <a:p>
             <a:fld id="{CE2EF64E-1B8A-4574-B5C3-5DD3BFB8FDE5}" type="datetimeFigureOut">
               <a:rPr lang="ko-KR" altLang="en-US" smtClean="0"/>
-              <a:t>2023-01-06</a:t>
+              <a:t>2023-03-14</a:t>
             </a:fld>
             <a:endParaRPr lang="ko-KR" altLang="en-US"/>
           </a:p>
@@ -2828,7 +2828,7 @@
           <a:p>
             <a:fld id="{CE2EF64E-1B8A-4574-B5C3-5DD3BFB8FDE5}" type="datetimeFigureOut">
               <a:rPr lang="ko-KR" altLang="en-US" smtClean="0"/>
-              <a:t>2023-01-06</a:t>
+              <a:t>2023-03-14</a:t>
             </a:fld>
             <a:endParaRPr lang="ko-KR" altLang="en-US"/>
           </a:p>
@@ -3116,7 +3116,7 @@
           <a:p>
             <a:fld id="{CE2EF64E-1B8A-4574-B5C3-5DD3BFB8FDE5}" type="datetimeFigureOut">
               <a:rPr lang="ko-KR" altLang="en-US" smtClean="0"/>
-              <a:t>2023-01-06</a:t>
+              <a:t>2023-03-14</a:t>
             </a:fld>
             <a:endParaRPr lang="ko-KR" altLang="en-US"/>
           </a:p>
@@ -3357,7 +3357,7 @@
           <a:p>
             <a:fld id="{CE2EF64E-1B8A-4574-B5C3-5DD3BFB8FDE5}" type="datetimeFigureOut">
               <a:rPr lang="ko-KR" altLang="en-US" smtClean="0"/>
-              <a:t>2023-01-06</a:t>
+              <a:t>2023-03-14</a:t>
             </a:fld>
             <a:endParaRPr lang="ko-KR" altLang="en-US"/>
           </a:p>
@@ -3789,7 +3789,7 @@
         <p:spPr>
           <a:xfrm>
             <a:off x="2284808" y="1826925"/>
-            <a:ext cx="7622382" cy="1138773"/>
+            <a:ext cx="7622382" cy="830997"/>
           </a:xfrm>
           <a:prstGeom prst="rect">
             <a:avLst/>
@@ -3801,49 +3801,6 @@
             <a:spAutoFit/>
           </a:bodyPr>
           <a:lstStyle/>
-          <a:p>
-            <a:pPr algn="ctr"/>
-            <a:r>
-              <a:rPr lang="en-US" altLang="ko-KR" sz="2000" b="1" spc="300" dirty="0">
-                <a:solidFill>
-                  <a:schemeClr val="bg2">
-                    <a:lumMod val="50000"/>
-                  </a:schemeClr>
-                </a:solidFill>
-                <a:latin typeface="+mn-ea"/>
-                <a:cs typeface="함초롬바탕" panose="02030604000101010101" pitchFamily="18" charset="-127"/>
-              </a:rPr>
-              <a:t>1</a:t>
-            </a:r>
-            <a:r>
-              <a:rPr lang="ko-KR" altLang="en-US" sz="2000" b="1" spc="300" dirty="0">
-                <a:solidFill>
-                  <a:schemeClr val="bg2">
-                    <a:lumMod val="50000"/>
-                  </a:schemeClr>
-                </a:solidFill>
-                <a:latin typeface="+mn-ea"/>
-                <a:cs typeface="함초롬바탕" panose="02030604000101010101" pitchFamily="18" charset="-127"/>
-              </a:rPr>
-              <a:t>조 </a:t>
-            </a:r>
-            <a:r>
-              <a:rPr lang="ko-KR" altLang="en-US" sz="2000" b="1" spc="300" dirty="0" err="1">
-                <a:solidFill>
-                  <a:schemeClr val="bg2">
-                    <a:lumMod val="50000"/>
-                  </a:schemeClr>
-                </a:solidFill>
-                <a:latin typeface="+mn-ea"/>
-                <a:cs typeface="함초롬바탕" panose="02030604000101010101" pitchFamily="18" charset="-127"/>
-              </a:rPr>
-              <a:t>아이솔루션</a:t>
-            </a:r>
-            <a:endParaRPr lang="en-US" altLang="ko-KR" sz="2000" b="1" spc="300" dirty="0">
-              <a:latin typeface="+mn-ea"/>
-              <a:cs typeface="함초롬바탕" panose="02030604000101010101" pitchFamily="18" charset="-127"/>
-            </a:endParaRPr>
-          </a:p>
           <a:p>
             <a:pPr algn="ctr"/>
             <a:r>
@@ -3948,155 +3905,6 @@
           </a:prstGeom>
         </p:spPr>
       </p:pic>
-      <p:sp>
-        <p:nvSpPr>
-          <p:cNvPr id="6" name="TextBox 5">
-            <a:extLst>
-              <a:ext uri="{FF2B5EF4-FFF2-40B4-BE49-F238E27FC236}">
-                <a16:creationId xmlns:a16="http://schemas.microsoft.com/office/drawing/2014/main" id="{CE045BCD-BE25-48D1-9064-F17CF515BC52}"/>
-              </a:ext>
-            </a:extLst>
-          </p:cNvPr>
-          <p:cNvSpPr txBox="1"/>
-          <p:nvPr/>
-        </p:nvSpPr>
-        <p:spPr>
-          <a:xfrm>
-            <a:off x="4429626" y="5725039"/>
-            <a:ext cx="3332746" cy="338554"/>
-          </a:xfrm>
-          <a:prstGeom prst="rect">
-            <a:avLst/>
-          </a:prstGeom>
-          <a:noFill/>
-        </p:spPr>
-        <p:txBody>
-          <a:bodyPr wrap="square" rtlCol="0">
-            <a:spAutoFit/>
-          </a:bodyPr>
-          <a:lstStyle/>
-          <a:p>
-            <a:pPr algn="ctr"/>
-            <a:r>
-              <a:rPr lang="ko-KR" altLang="en-US" sz="1600" b="1" spc="-150" dirty="0">
-                <a:solidFill>
-                  <a:schemeClr val="tx1">
-                    <a:lumMod val="65000"/>
-                    <a:lumOff val="35000"/>
-                  </a:schemeClr>
-                </a:solidFill>
-                <a:latin typeface="+mn-ea"/>
-                <a:cs typeface="함초롬바탕" panose="02030604000101010101" pitchFamily="18" charset="-127"/>
-              </a:rPr>
-              <a:t>조원</a:t>
-            </a:r>
-            <a:r>
-              <a:rPr lang="en-US" altLang="ko-KR" sz="1600" b="1" spc="-150" dirty="0">
-                <a:solidFill>
-                  <a:schemeClr val="tx1">
-                    <a:lumMod val="65000"/>
-                    <a:lumOff val="35000"/>
-                  </a:schemeClr>
-                </a:solidFill>
-                <a:latin typeface="+mn-ea"/>
-                <a:cs typeface="함초롬바탕" panose="02030604000101010101" pitchFamily="18" charset="-127"/>
-              </a:rPr>
-              <a:t>: </a:t>
-            </a:r>
-            <a:r>
-              <a:rPr lang="ko-KR" altLang="en-US" sz="1600" b="1" spc="-150" dirty="0">
-                <a:solidFill>
-                  <a:schemeClr val="tx1">
-                    <a:lumMod val="65000"/>
-                    <a:lumOff val="35000"/>
-                  </a:schemeClr>
-                </a:solidFill>
-                <a:latin typeface="+mn-ea"/>
-                <a:cs typeface="함초롬바탕" panose="02030604000101010101" pitchFamily="18" charset="-127"/>
-              </a:rPr>
-              <a:t>김민성</a:t>
-            </a:r>
-            <a:r>
-              <a:rPr lang="en-US" altLang="ko-KR" sz="1600" b="1" spc="-150" dirty="0">
-                <a:solidFill>
-                  <a:schemeClr val="tx1">
-                    <a:lumMod val="65000"/>
-                    <a:lumOff val="35000"/>
-                  </a:schemeClr>
-                </a:solidFill>
-                <a:latin typeface="+mn-ea"/>
-                <a:cs typeface="함초롬바탕" panose="02030604000101010101" pitchFamily="18" charset="-127"/>
-              </a:rPr>
-              <a:t>, </a:t>
-            </a:r>
-            <a:r>
-              <a:rPr lang="ko-KR" altLang="en-US" sz="1600" b="1" spc="-150" dirty="0" err="1">
-                <a:solidFill>
-                  <a:schemeClr val="tx1">
-                    <a:lumMod val="65000"/>
-                    <a:lumOff val="35000"/>
-                  </a:schemeClr>
-                </a:solidFill>
-                <a:latin typeface="+mn-ea"/>
-                <a:cs typeface="함초롬바탕" panose="02030604000101010101" pitchFamily="18" charset="-127"/>
-              </a:rPr>
-              <a:t>윤상하</a:t>
-            </a:r>
-            <a:r>
-              <a:rPr lang="en-US" altLang="ko-KR" sz="1600" b="1" spc="-150" dirty="0">
-                <a:solidFill>
-                  <a:schemeClr val="tx1">
-                    <a:lumMod val="65000"/>
-                    <a:lumOff val="35000"/>
-                  </a:schemeClr>
-                </a:solidFill>
-                <a:latin typeface="+mn-ea"/>
-                <a:cs typeface="함초롬바탕" panose="02030604000101010101" pitchFamily="18" charset="-127"/>
-              </a:rPr>
-              <a:t>, </a:t>
-            </a:r>
-            <a:r>
-              <a:rPr lang="ko-KR" altLang="en-US" sz="1600" b="1" spc="-150" dirty="0">
-                <a:solidFill>
-                  <a:schemeClr val="tx1">
-                    <a:lumMod val="65000"/>
-                    <a:lumOff val="35000"/>
-                  </a:schemeClr>
-                </a:solidFill>
-                <a:latin typeface="+mn-ea"/>
-                <a:cs typeface="함초롬바탕" panose="02030604000101010101" pitchFamily="18" charset="-127"/>
-              </a:rPr>
-              <a:t>이혜정</a:t>
-            </a:r>
-            <a:r>
-              <a:rPr lang="en-US" altLang="ko-KR" sz="1600" b="1" spc="-150" dirty="0">
-                <a:solidFill>
-                  <a:schemeClr val="tx1">
-                    <a:lumMod val="65000"/>
-                    <a:lumOff val="35000"/>
-                  </a:schemeClr>
-                </a:solidFill>
-                <a:latin typeface="+mn-ea"/>
-                <a:cs typeface="함초롬바탕" panose="02030604000101010101" pitchFamily="18" charset="-127"/>
-              </a:rPr>
-              <a:t>, </a:t>
-            </a:r>
-            <a:r>
-              <a:rPr lang="ko-KR" altLang="en-US" sz="1600" b="1" spc="-150" dirty="0">
-                <a:solidFill>
-                  <a:schemeClr val="tx1">
-                    <a:lumMod val="65000"/>
-                    <a:lumOff val="35000"/>
-                  </a:schemeClr>
-                </a:solidFill>
-                <a:latin typeface="+mn-ea"/>
-                <a:cs typeface="함초롬바탕" panose="02030604000101010101" pitchFamily="18" charset="-127"/>
-              </a:rPr>
-              <a:t>최지현</a:t>
-            </a:r>
-          </a:p>
-        </p:txBody>
-      </p:sp>
       <p:sp>
         <p:nvSpPr>
           <p:cNvPr id="3" name="직사각형 2"/>
